--- a/Specular Lighting.pptx
+++ b/Specular Lighting.pptx
@@ -6,8 +6,9 @@
   </p:sldMasterIdLst>
   <p:sldIdLst>
     <p:sldId id="256" r:id="rId2"/>
-    <p:sldId id="258" r:id="rId3"/>
-    <p:sldId id="257" r:id="rId4"/>
+    <p:sldId id="259" r:id="rId3"/>
+    <p:sldId id="258" r:id="rId4"/>
+    <p:sldId id="257" r:id="rId5"/>
   </p:sldIdLst>
   <p:sldSz cx="12192000" cy="6858000"/>
   <p:notesSz cx="6858000" cy="9144000"/>
@@ -106,6 +107,11 @@
       </a:defRPr>
     </a:lvl9pPr>
   </p:defaultTextStyle>
+  <p:extLst>
+    <p:ext uri="{EFAFB233-063F-42B5-8137-9DF3F51BA10A}">
+      <p15:sldGuideLst xmlns:p15="http://schemas.microsoft.com/office/powerpoint/2012/main"/>
+    </p:ext>
+  </p:extLst>
 </p:presentation>
 </file>
 
@@ -256,7 +262,7 @@
           <a:p>
             <a:fld id="{6A405FD9-36AA-4A6B-BDFE-C79A252A2A53}" type="datetimeFigureOut">
               <a:rPr lang="en-US" smtClean="0"/>
-              <a:t>7/10/2022</a:t>
+              <a:t>7/11/2022</a:t>
             </a:fld>
             <a:endParaRPr lang="en-US"/>
           </a:p>
@@ -454,7 +460,7 @@
           <a:p>
             <a:fld id="{6A405FD9-36AA-4A6B-BDFE-C79A252A2A53}" type="datetimeFigureOut">
               <a:rPr lang="en-US" smtClean="0"/>
-              <a:t>7/10/2022</a:t>
+              <a:t>7/11/2022</a:t>
             </a:fld>
             <a:endParaRPr lang="en-US"/>
           </a:p>
@@ -662,7 +668,7 @@
           <a:p>
             <a:fld id="{6A405FD9-36AA-4A6B-BDFE-C79A252A2A53}" type="datetimeFigureOut">
               <a:rPr lang="en-US" smtClean="0"/>
-              <a:t>7/10/2022</a:t>
+              <a:t>7/11/2022</a:t>
             </a:fld>
             <a:endParaRPr lang="en-US"/>
           </a:p>
@@ -860,7 +866,7 @@
           <a:p>
             <a:fld id="{6A405FD9-36AA-4A6B-BDFE-C79A252A2A53}" type="datetimeFigureOut">
               <a:rPr lang="en-US" smtClean="0"/>
-              <a:t>7/10/2022</a:t>
+              <a:t>7/11/2022</a:t>
             </a:fld>
             <a:endParaRPr lang="en-US"/>
           </a:p>
@@ -1135,7 +1141,7 @@
           <a:p>
             <a:fld id="{6A405FD9-36AA-4A6B-BDFE-C79A252A2A53}" type="datetimeFigureOut">
               <a:rPr lang="en-US" smtClean="0"/>
-              <a:t>7/10/2022</a:t>
+              <a:t>7/11/2022</a:t>
             </a:fld>
             <a:endParaRPr lang="en-US"/>
           </a:p>
@@ -1400,7 +1406,7 @@
           <a:p>
             <a:fld id="{6A405FD9-36AA-4A6B-BDFE-C79A252A2A53}" type="datetimeFigureOut">
               <a:rPr lang="en-US" smtClean="0"/>
-              <a:t>7/10/2022</a:t>
+              <a:t>7/11/2022</a:t>
             </a:fld>
             <a:endParaRPr lang="en-US"/>
           </a:p>
@@ -1812,7 +1818,7 @@
           <a:p>
             <a:fld id="{6A405FD9-36AA-4A6B-BDFE-C79A252A2A53}" type="datetimeFigureOut">
               <a:rPr lang="en-US" smtClean="0"/>
-              <a:t>7/10/2022</a:t>
+              <a:t>7/11/2022</a:t>
             </a:fld>
             <a:endParaRPr lang="en-US"/>
           </a:p>
@@ -1953,7 +1959,7 @@
           <a:p>
             <a:fld id="{6A405FD9-36AA-4A6B-BDFE-C79A252A2A53}" type="datetimeFigureOut">
               <a:rPr lang="en-US" smtClean="0"/>
-              <a:t>7/10/2022</a:t>
+              <a:t>7/11/2022</a:t>
             </a:fld>
             <a:endParaRPr lang="en-US"/>
           </a:p>
@@ -2066,7 +2072,7 @@
           <a:p>
             <a:fld id="{6A405FD9-36AA-4A6B-BDFE-C79A252A2A53}" type="datetimeFigureOut">
               <a:rPr lang="en-US" smtClean="0"/>
-              <a:t>7/10/2022</a:t>
+              <a:t>7/11/2022</a:t>
             </a:fld>
             <a:endParaRPr lang="en-US"/>
           </a:p>
@@ -2377,7 +2383,7 @@
           <a:p>
             <a:fld id="{6A405FD9-36AA-4A6B-BDFE-C79A252A2A53}" type="datetimeFigureOut">
               <a:rPr lang="en-US" smtClean="0"/>
-              <a:t>7/10/2022</a:t>
+              <a:t>7/11/2022</a:t>
             </a:fld>
             <a:endParaRPr lang="en-US"/>
           </a:p>
@@ -2665,7 +2671,7 @@
           <a:p>
             <a:fld id="{6A405FD9-36AA-4A6B-BDFE-C79A252A2A53}" type="datetimeFigureOut">
               <a:rPr lang="en-US" smtClean="0"/>
-              <a:t>7/10/2022</a:t>
+              <a:t>7/11/2022</a:t>
             </a:fld>
             <a:endParaRPr lang="en-US"/>
           </a:p>
@@ -2906,7 +2912,7 @@
           <a:p>
             <a:fld id="{6A405FD9-36AA-4A6B-BDFE-C79A252A2A53}" type="datetimeFigureOut">
               <a:rPr lang="en-US" smtClean="0"/>
-              <a:t>7/10/2022</a:t>
+              <a:t>7/11/2022</a:t>
             </a:fld>
             <a:endParaRPr lang="en-US"/>
           </a:p>
@@ -3697,8 +3703,8 @@
           </a:p>
         </p:txBody>
       </p:sp>
-      <mc:AlternateContent xmlns:mc="http://schemas.openxmlformats.org/markup-compatibility/2006">
-        <mc:Choice xmlns:a14="http://schemas.microsoft.com/office/drawing/2010/main" Requires="a14">
+      <mc:AlternateContent xmlns:mc="http://schemas.openxmlformats.org/markup-compatibility/2006" xmlns:a14="http://schemas.microsoft.com/office/drawing/2010/main">
+        <mc:Choice Requires="a14">
           <p:sp>
             <p:nvSpPr>
               <p:cNvPr id="31" name="TextBox 30">
@@ -3727,6 +3733,7 @@
               </a:bodyPr>
               <a:lstStyle/>
               <a:p>
+                <a:pPr/>
                 <a14:m>
                   <m:oMathPara xmlns:m="http://schemas.openxmlformats.org/officeDocument/2006/math">
                     <m:oMathParaPr>
@@ -3747,7 +3754,7 @@
             </p:txBody>
           </p:sp>
         </mc:Choice>
-        <mc:Fallback>
+        <mc:Fallback xmlns="">
           <p:sp>
             <p:nvSpPr>
               <p:cNvPr id="31" name="TextBox 30">
@@ -3988,6 +3995,9 @@
             <a:avLst/>
           </a:prstGeom>
           <a:ln w="57150">
+            <a:solidFill>
+              <a:srgbClr val="C00000"/>
+            </a:solidFill>
             <a:tailEnd type="triangle"/>
           </a:ln>
         </p:spPr>
@@ -4088,12 +4098,119 @@
           </a:fontRef>
         </p:style>
       </p:cxnSp>
-      <p:sp>
-        <p:nvSpPr>
-          <p:cNvPr id="30" name="TextBox 29">
-            <a:extLst>
-              <a:ext uri="{FF2B5EF4-FFF2-40B4-BE49-F238E27FC236}">
-                <a16:creationId xmlns:a16="http://schemas.microsoft.com/office/drawing/2014/main" id="{20AA41DE-79BA-4429-8E32-242301903356}"/>
+      <mc:AlternateContent xmlns:mc="http://schemas.openxmlformats.org/markup-compatibility/2006">
+        <mc:Choice xmlns:a14="http://schemas.microsoft.com/office/drawing/2010/main" Requires="a14">
+          <p:sp>
+            <p:nvSpPr>
+              <p:cNvPr id="30" name="TextBox 29">
+                <a:extLst>
+                  <a:ext uri="{FF2B5EF4-FFF2-40B4-BE49-F238E27FC236}">
+                    <a16:creationId xmlns:a16="http://schemas.microsoft.com/office/drawing/2014/main" id="{20AA41DE-79BA-4429-8E32-242301903356}"/>
+                  </a:ext>
+                </a:extLst>
+              </p:cNvPr>
+              <p:cNvSpPr txBox="1"/>
+              <p:nvPr/>
+            </p:nvSpPr>
+            <p:spPr>
+              <a:xfrm>
+                <a:off x="5901612" y="1305695"/>
+                <a:ext cx="905070" cy="575479"/>
+              </a:xfrm>
+              <a:prstGeom prst="rect">
+                <a:avLst/>
+              </a:prstGeom>
+              <a:noFill/>
+            </p:spPr>
+            <p:txBody>
+              <a:bodyPr wrap="square" rtlCol="0">
+                <a:spAutoFit/>
+              </a:bodyPr>
+              <a:lstStyle/>
+              <a:p>
+                <a14:m>
+                  <m:oMathPara xmlns:m="http://schemas.openxmlformats.org/officeDocument/2006/math">
+                    <m:oMathParaPr>
+                      <m:jc m:val="centerGroup"/>
+                    </m:oMathParaPr>
+                    <m:oMath xmlns:m="http://schemas.openxmlformats.org/officeDocument/2006/math">
+                      <m:acc>
+                        <m:accPr>
+                          <m:chr m:val="⃗"/>
+                          <m:ctrlPr>
+                            <a:rPr lang="en-US" sz="2800" i="1" smtClean="0">
+                              <a:latin typeface="Cambria Math" panose="02040503050406030204" pitchFamily="18" charset="0"/>
+                            </a:rPr>
+                          </m:ctrlPr>
+                        </m:accPr>
+                        <m:e>
+                          <m:r>
+                            <a:rPr lang="en-US" sz="2800" b="0" i="1" smtClean="0">
+                              <a:latin typeface="Cambria Math" panose="02040503050406030204" pitchFamily="18" charset="0"/>
+                            </a:rPr>
+                            <m:t>𝑁</m:t>
+                          </m:r>
+                        </m:e>
+                      </m:acc>
+                    </m:oMath>
+                  </m:oMathPara>
+                </a14:m>
+                <a:endParaRPr lang="en-US" dirty="0"/>
+              </a:p>
+            </p:txBody>
+          </p:sp>
+        </mc:Choice>
+        <mc:Fallback>
+          <p:sp>
+            <p:nvSpPr>
+              <p:cNvPr id="30" name="TextBox 29">
+                <a:extLst>
+                  <a:ext uri="{FF2B5EF4-FFF2-40B4-BE49-F238E27FC236}">
+                    <a16:creationId xmlns:a16="http://schemas.microsoft.com/office/drawing/2014/main" id="{20AA41DE-79BA-4429-8E32-242301903356}"/>
+                  </a:ext>
+                </a:extLst>
+              </p:cNvPr>
+              <p:cNvSpPr txBox="1">
+                <a:spLocks noRot="1" noChangeAspect="1" noMove="1" noResize="1" noEditPoints="1" noAdjustHandles="1" noChangeArrowheads="1" noChangeShapeType="1" noTextEdit="1"/>
+              </p:cNvSpPr>
+              <p:nvPr/>
+            </p:nvSpPr>
+            <p:spPr>
+              <a:xfrm>
+                <a:off x="5901612" y="1305695"/>
+                <a:ext cx="905070" cy="575479"/>
+              </a:xfrm>
+              <a:prstGeom prst="rect">
+                <a:avLst/>
+              </a:prstGeom>
+              <a:blipFill>
+                <a:blip r:embed="rId3"/>
+                <a:stretch>
+                  <a:fillRect/>
+                </a:stretch>
+              </a:blipFill>
+            </p:spPr>
+            <p:txBody>
+              <a:bodyPr/>
+              <a:lstStyle/>
+              <a:p>
+                <a:r>
+                  <a:rPr lang="en-US">
+                    <a:noFill/>
+                  </a:rPr>
+                  <a:t> </a:t>
+                </a:r>
+              </a:p>
+            </p:txBody>
+          </p:sp>
+        </mc:Fallback>
+      </mc:AlternateContent>
+      <p:sp>
+        <p:nvSpPr>
+          <p:cNvPr id="32" name="TextBox 31">
+            <a:extLst>
+              <a:ext uri="{FF2B5EF4-FFF2-40B4-BE49-F238E27FC236}">
+                <a16:creationId xmlns:a16="http://schemas.microsoft.com/office/drawing/2014/main" id="{5FFCAFB0-01FC-478B-9057-ED070447D4D8}"/>
               </a:ext>
             </a:extLst>
           </p:cNvPr>
@@ -4102,7 +4219,7 @@
         </p:nvSpPr>
         <p:spPr>
           <a:xfrm>
-            <a:off x="6169711" y="1291936"/>
+            <a:off x="3840251" y="1989636"/>
             <a:ext cx="905070" cy="523220"/>
           </a:xfrm>
           <a:prstGeom prst="rect">
@@ -4118,14 +4235,382 @@
           <a:p>
             <a:r>
               <a:rPr lang="en-US" sz="2800" dirty="0"/>
-              <a:t>N</a:t>
+              <a:t>I</a:t>
             </a:r>
             <a:endParaRPr lang="en-US" dirty="0"/>
+          </a:p>
+        </p:txBody>
+      </p:sp>
+      <p:sp>
+        <p:nvSpPr>
+          <p:cNvPr id="2" name="Arc 1">
+            <a:extLst>
+              <a:ext uri="{FF2B5EF4-FFF2-40B4-BE49-F238E27FC236}">
+                <a16:creationId xmlns:a16="http://schemas.microsoft.com/office/drawing/2014/main" id="{0B10AD20-81D2-4D67-BD93-7CA0F3FDD250}"/>
+              </a:ext>
+            </a:extLst>
+          </p:cNvPr>
+          <p:cNvSpPr/>
+          <p:nvPr/>
+        </p:nvSpPr>
+        <p:spPr>
+          <a:xfrm rot="16702581">
+            <a:off x="5638799" y="3616356"/>
+            <a:ext cx="914400" cy="914400"/>
+          </a:xfrm>
+          <a:prstGeom prst="arc">
+            <a:avLst>
+              <a:gd name="adj1" fmla="val 16200000"/>
+              <a:gd name="adj2" fmla="val 1382824"/>
+            </a:avLst>
+          </a:prstGeom>
+          <a:ln w="38100"/>
+        </p:spPr>
+        <p:style>
+          <a:lnRef idx="1">
+            <a:schemeClr val="accent2"/>
+          </a:lnRef>
+          <a:fillRef idx="0">
+            <a:schemeClr val="accent2"/>
+          </a:fillRef>
+          <a:effectRef idx="0">
+            <a:schemeClr val="accent2"/>
+          </a:effectRef>
+          <a:fontRef idx="minor">
+            <a:schemeClr val="tx1"/>
+          </a:fontRef>
+        </p:style>
+        <p:txBody>
+          <a:bodyPr rtlCol="0" anchor="ctr"/>
+          <a:lstStyle/>
+          <a:p>
+            <a:pPr algn="ctr"/>
+            <a:endParaRPr lang="en-US"/>
           </a:p>
         </p:txBody>
       </p:sp>
       <mc:AlternateContent xmlns:mc="http://schemas.openxmlformats.org/markup-compatibility/2006">
         <mc:Choice xmlns:a14="http://schemas.microsoft.com/office/drawing/2010/main" Requires="a14">
+          <p:sp>
+            <p:nvSpPr>
+              <p:cNvPr id="3" name="TextBox 2">
+                <a:extLst>
+                  <a:ext uri="{FF2B5EF4-FFF2-40B4-BE49-F238E27FC236}">
+                    <a16:creationId xmlns:a16="http://schemas.microsoft.com/office/drawing/2014/main" id="{426CF43E-256F-4116-838C-5AFCECDD95C3}"/>
+                  </a:ext>
+                </a:extLst>
+              </p:cNvPr>
+              <p:cNvSpPr txBox="1"/>
+              <p:nvPr/>
+            </p:nvSpPr>
+            <p:spPr>
+              <a:xfrm>
+                <a:off x="5686508" y="3273717"/>
+                <a:ext cx="294248" cy="430887"/>
+              </a:xfrm>
+              <a:prstGeom prst="rect">
+                <a:avLst/>
+              </a:prstGeom>
+              <a:noFill/>
+            </p:spPr>
+            <p:txBody>
+              <a:bodyPr wrap="none" lIns="0" tIns="0" rIns="0" bIns="0" rtlCol="0">
+                <a:spAutoFit/>
+              </a:bodyPr>
+              <a:lstStyle/>
+              <a:p>
+                <a14:m>
+                  <m:oMathPara xmlns:m="http://schemas.openxmlformats.org/officeDocument/2006/math">
+                    <m:oMathParaPr>
+                      <m:jc m:val="centerGroup"/>
+                    </m:oMathParaPr>
+                    <m:oMath xmlns:m="http://schemas.openxmlformats.org/officeDocument/2006/math">
+                      <m:r>
+                        <a:rPr lang="en-US" sz="2800" i="1" smtClean="0">
+                          <a:latin typeface="Cambria Math" panose="02040503050406030204" pitchFamily="18" charset="0"/>
+                          <a:ea typeface="Cambria Math" panose="02040503050406030204" pitchFamily="18" charset="0"/>
+                        </a:rPr>
+                        <m:t>𝜃</m:t>
+                      </m:r>
+                    </m:oMath>
+                  </m:oMathPara>
+                </a14:m>
+                <a:endParaRPr lang="en-US" dirty="0"/>
+              </a:p>
+            </p:txBody>
+          </p:sp>
+        </mc:Choice>
+        <mc:Fallback>
+          <p:sp>
+            <p:nvSpPr>
+              <p:cNvPr id="3" name="TextBox 2">
+                <a:extLst>
+                  <a:ext uri="{FF2B5EF4-FFF2-40B4-BE49-F238E27FC236}">
+                    <a16:creationId xmlns:a16="http://schemas.microsoft.com/office/drawing/2014/main" id="{426CF43E-256F-4116-838C-5AFCECDD95C3}"/>
+                  </a:ext>
+                </a:extLst>
+              </p:cNvPr>
+              <p:cNvSpPr txBox="1">
+                <a:spLocks noRot="1" noChangeAspect="1" noMove="1" noResize="1" noEditPoints="1" noAdjustHandles="1" noChangeArrowheads="1" noChangeShapeType="1" noTextEdit="1"/>
+              </p:cNvSpPr>
+              <p:nvPr/>
+            </p:nvSpPr>
+            <p:spPr>
+              <a:xfrm>
+                <a:off x="5686508" y="3273717"/>
+                <a:ext cx="294248" cy="430887"/>
+              </a:xfrm>
+              <a:prstGeom prst="rect">
+                <a:avLst/>
+              </a:prstGeom>
+              <a:blipFill>
+                <a:blip r:embed="rId4"/>
+                <a:stretch>
+                  <a:fillRect/>
+                </a:stretch>
+              </a:blipFill>
+            </p:spPr>
+            <p:txBody>
+              <a:bodyPr/>
+              <a:lstStyle/>
+              <a:p>
+                <a:r>
+                  <a:rPr lang="en-US">
+                    <a:noFill/>
+                  </a:rPr>
+                  <a:t> </a:t>
+                </a:r>
+              </a:p>
+            </p:txBody>
+          </p:sp>
+        </mc:Fallback>
+      </mc:AlternateContent>
+    </p:spTree>
+    <p:extLst>
+      <p:ext uri="{BB962C8B-B14F-4D97-AF65-F5344CB8AC3E}">
+        <p14:creationId xmlns:p14="http://schemas.microsoft.com/office/powerpoint/2010/main" val="2610391429"/>
+      </p:ext>
+    </p:extLst>
+  </p:cSld>
+  <p:clrMapOvr>
+    <a:masterClrMapping/>
+  </p:clrMapOvr>
+</p:sld>
+</file>
+
+<file path=ppt/slides/slide3.xml><?xml version="1.0" encoding="utf-8"?>
+<p:sld xmlns:a="http://schemas.openxmlformats.org/drawingml/2006/main" xmlns:r="http://schemas.openxmlformats.org/officeDocument/2006/relationships" xmlns:p="http://schemas.openxmlformats.org/presentationml/2006/main">
+  <p:cSld>
+    <p:spTree>
+      <p:nvGrpSpPr>
+        <p:cNvPr id="1" name=""/>
+        <p:cNvGrpSpPr/>
+        <p:nvPr/>
+      </p:nvGrpSpPr>
+      <p:grpSpPr>
+        <a:xfrm>
+          <a:off x="0" y="0"/>
+          <a:ext cx="0" cy="0"/>
+          <a:chOff x="0" y="0"/>
+          <a:chExt cx="0" cy="0"/>
+        </a:xfrm>
+      </p:grpSpPr>
+      <p:cxnSp>
+        <p:nvCxnSpPr>
+          <p:cNvPr id="7" name="Straight Connector 6">
+            <a:extLst>
+              <a:ext uri="{FF2B5EF4-FFF2-40B4-BE49-F238E27FC236}">
+                <a16:creationId xmlns:a16="http://schemas.microsoft.com/office/drawing/2014/main" id="{3C493C3C-7606-4E0F-8924-AD774DAB5B6D}"/>
+              </a:ext>
+            </a:extLst>
+          </p:cNvPr>
+          <p:cNvCxnSpPr/>
+          <p:nvPr/>
+        </p:nvCxnSpPr>
+        <p:spPr>
+          <a:xfrm>
+            <a:off x="0" y="4581331"/>
+            <a:ext cx="12192000" cy="0"/>
+          </a:xfrm>
+          <a:prstGeom prst="line">
+            <a:avLst/>
+          </a:prstGeom>
+          <a:ln w="57150"/>
+        </p:spPr>
+        <p:style>
+          <a:lnRef idx="1">
+            <a:schemeClr val="accent1"/>
+          </a:lnRef>
+          <a:fillRef idx="0">
+            <a:schemeClr val="accent1"/>
+          </a:fillRef>
+          <a:effectRef idx="0">
+            <a:schemeClr val="accent1"/>
+          </a:effectRef>
+          <a:fontRef idx="minor">
+            <a:schemeClr val="tx1"/>
+          </a:fontRef>
+        </p:style>
+      </p:cxnSp>
+      <p:cxnSp>
+        <p:nvCxnSpPr>
+          <p:cNvPr id="11" name="Straight Arrow Connector 10">
+            <a:extLst>
+              <a:ext uri="{FF2B5EF4-FFF2-40B4-BE49-F238E27FC236}">
+                <a16:creationId xmlns:a16="http://schemas.microsoft.com/office/drawing/2014/main" id="{EAF6F3FE-B45F-4648-BE47-2843DA564FAC}"/>
+              </a:ext>
+            </a:extLst>
+          </p:cNvPr>
+          <p:cNvCxnSpPr/>
+          <p:nvPr/>
+        </p:nvCxnSpPr>
+        <p:spPr>
+          <a:xfrm flipV="1">
+            <a:off x="6354147" y="1791478"/>
+            <a:ext cx="0" cy="2789853"/>
+          </a:xfrm>
+          <a:prstGeom prst="straightConnector1">
+            <a:avLst/>
+          </a:prstGeom>
+          <a:ln w="57150">
+            <a:tailEnd type="triangle"/>
+          </a:ln>
+        </p:spPr>
+        <p:style>
+          <a:lnRef idx="1">
+            <a:schemeClr val="accent1"/>
+          </a:lnRef>
+          <a:fillRef idx="0">
+            <a:schemeClr val="accent1"/>
+          </a:fillRef>
+          <a:effectRef idx="0">
+            <a:schemeClr val="accent1"/>
+          </a:effectRef>
+          <a:fontRef idx="minor">
+            <a:schemeClr val="tx1"/>
+          </a:fontRef>
+        </p:style>
+      </p:cxnSp>
+      <p:pic>
+        <p:nvPicPr>
+          <p:cNvPr id="15" name="Picture 14">
+            <a:extLst>
+              <a:ext uri="{FF2B5EF4-FFF2-40B4-BE49-F238E27FC236}">
+                <a16:creationId xmlns:a16="http://schemas.microsoft.com/office/drawing/2014/main" id="{A11A79EB-C6D0-43A4-9ACC-ED4B0C26B4B9}"/>
+              </a:ext>
+            </a:extLst>
+          </p:cNvPr>
+          <p:cNvPicPr>
+            <a:picLocks noChangeAspect="1"/>
+          </p:cNvPicPr>
+          <p:nvPr/>
+        </p:nvPicPr>
+        <p:blipFill>
+          <a:blip r:embed="rId2">
+            <a:extLst>
+              <a:ext uri="{28A0092B-C50C-407E-A947-70E740481C1C}">
+                <a14:useLocalDpi xmlns:a14="http://schemas.microsoft.com/office/drawing/2010/main" val="0"/>
+              </a:ext>
+            </a:extLst>
+          </a:blip>
+          <a:stretch>
+            <a:fillRect/>
+          </a:stretch>
+        </p:blipFill>
+        <p:spPr>
+          <a:xfrm>
+            <a:off x="2491349" y="1593435"/>
+            <a:ext cx="1164466" cy="1164466"/>
+          </a:xfrm>
+          <a:prstGeom prst="rect">
+            <a:avLst/>
+          </a:prstGeom>
+        </p:spPr>
+      </p:pic>
+      <p:cxnSp>
+        <p:nvCxnSpPr>
+          <p:cNvPr id="17" name="Straight Connector 16">
+            <a:extLst>
+              <a:ext uri="{FF2B5EF4-FFF2-40B4-BE49-F238E27FC236}">
+                <a16:creationId xmlns:a16="http://schemas.microsoft.com/office/drawing/2014/main" id="{15AAECCB-AC63-47EC-9254-A999E2C5244C}"/>
+              </a:ext>
+            </a:extLst>
+          </p:cNvPr>
+          <p:cNvCxnSpPr>
+            <a:cxnSpLocks/>
+          </p:cNvCxnSpPr>
+          <p:nvPr/>
+        </p:nvCxnSpPr>
+        <p:spPr>
+          <a:xfrm flipH="1" flipV="1">
+            <a:off x="3655815" y="2575249"/>
+            <a:ext cx="2758409" cy="2006082"/>
+          </a:xfrm>
+          <a:prstGeom prst="line">
+            <a:avLst/>
+          </a:prstGeom>
+          <a:ln w="57150">
+            <a:solidFill>
+              <a:schemeClr val="accent6">
+                <a:lumMod val="75000"/>
+              </a:schemeClr>
+            </a:solidFill>
+            <a:tailEnd type="triangle"/>
+          </a:ln>
+        </p:spPr>
+        <p:style>
+          <a:lnRef idx="1">
+            <a:schemeClr val="accent1"/>
+          </a:lnRef>
+          <a:fillRef idx="0">
+            <a:schemeClr val="accent1"/>
+          </a:fillRef>
+          <a:effectRef idx="0">
+            <a:schemeClr val="accent1"/>
+          </a:effectRef>
+          <a:fontRef idx="minor">
+            <a:schemeClr val="tx1"/>
+          </a:fontRef>
+        </p:style>
+      </p:cxnSp>
+      <p:sp>
+        <p:nvSpPr>
+          <p:cNvPr id="30" name="TextBox 29">
+            <a:extLst>
+              <a:ext uri="{FF2B5EF4-FFF2-40B4-BE49-F238E27FC236}">
+                <a16:creationId xmlns:a16="http://schemas.microsoft.com/office/drawing/2014/main" id="{20AA41DE-79BA-4429-8E32-242301903356}"/>
+              </a:ext>
+            </a:extLst>
+          </p:cNvPr>
+          <p:cNvSpPr txBox="1"/>
+          <p:nvPr/>
+        </p:nvSpPr>
+        <p:spPr>
+          <a:xfrm>
+            <a:off x="6169711" y="1291936"/>
+            <a:ext cx="905070" cy="523220"/>
+          </a:xfrm>
+          <a:prstGeom prst="rect">
+            <a:avLst/>
+          </a:prstGeom>
+          <a:noFill/>
+        </p:spPr>
+        <p:txBody>
+          <a:bodyPr wrap="square" rtlCol="0">
+            <a:spAutoFit/>
+          </a:bodyPr>
+          <a:lstStyle/>
+          <a:p>
+            <a:r>
+              <a:rPr lang="en-US" sz="2800" dirty="0"/>
+              <a:t>N</a:t>
+            </a:r>
+            <a:endParaRPr lang="en-US" dirty="0"/>
+          </a:p>
+        </p:txBody>
+      </p:sp>
+      <mc:AlternateContent xmlns:mc="http://schemas.openxmlformats.org/markup-compatibility/2006" xmlns:a14="http://schemas.microsoft.com/office/drawing/2010/main">
+        <mc:Choice Requires="a14">
           <p:sp>
             <p:nvSpPr>
               <p:cNvPr id="31" name="TextBox 30">
@@ -4154,6 +4639,7 @@
               </a:bodyPr>
               <a:lstStyle/>
               <a:p>
+                <a:pPr/>
                 <a14:m>
                   <m:oMathPara xmlns:m="http://schemas.openxmlformats.org/officeDocument/2006/math">
                     <m:oMathParaPr>
@@ -4174,7 +4660,7 @@
             </p:txBody>
           </p:sp>
         </mc:Choice>
-        <mc:Fallback>
+        <mc:Fallback xmlns="">
           <p:sp>
             <p:nvSpPr>
               <p:cNvPr id="31" name="TextBox 30">
@@ -4557,7 +5043,7 @@
 </p:sld>
 </file>
 
-<file path=ppt/slides/slide3.xml><?xml version="1.0" encoding="utf-8"?>
+<file path=ppt/slides/slide4.xml><?xml version="1.0" encoding="utf-8"?>
 <p:sld xmlns:a="http://schemas.openxmlformats.org/drawingml/2006/main" xmlns:r="http://schemas.openxmlformats.org/officeDocument/2006/relationships" xmlns:p="http://schemas.openxmlformats.org/presentationml/2006/main">
   <p:cSld>
     <p:spTree>
@@ -4768,8 +5254,8 @@
           </a:p>
         </p:txBody>
       </p:sp>
-      <mc:AlternateContent xmlns:mc="http://schemas.openxmlformats.org/markup-compatibility/2006">
-        <mc:Choice xmlns:a14="http://schemas.microsoft.com/office/drawing/2010/main" Requires="a14">
+      <mc:AlternateContent xmlns:mc="http://schemas.openxmlformats.org/markup-compatibility/2006" xmlns:a14="http://schemas.microsoft.com/office/drawing/2010/main">
+        <mc:Choice Requires="a14">
           <p:sp>
             <p:nvSpPr>
               <p:cNvPr id="32" name="TextBox 31">
@@ -4798,6 +5284,7 @@
               </a:bodyPr>
               <a:lstStyle/>
               <a:p>
+                <a:pPr/>
                 <a14:m>
                   <m:oMathPara xmlns:m="http://schemas.openxmlformats.org/officeDocument/2006/math">
                     <m:oMathParaPr>
@@ -4818,7 +5305,7 @@
             </p:txBody>
           </p:sp>
         </mc:Choice>
-        <mc:Fallback>
+        <mc:Fallback xmlns="">
           <p:sp>
             <p:nvSpPr>
               <p:cNvPr id="32" name="TextBox 31">
@@ -5155,8 +5642,8 @@
           </a:fontRef>
         </p:style>
       </p:cxnSp>
-      <mc:AlternateContent xmlns:mc="http://schemas.openxmlformats.org/markup-compatibility/2006">
-        <mc:Choice xmlns:a14="http://schemas.microsoft.com/office/drawing/2010/main" Requires="a14">
+      <mc:AlternateContent xmlns:mc="http://schemas.openxmlformats.org/markup-compatibility/2006" xmlns:a14="http://schemas.microsoft.com/office/drawing/2010/main">
+        <mc:Choice Requires="a14">
           <p:sp>
             <p:nvSpPr>
               <p:cNvPr id="36" name="TextBox 35">
@@ -5185,6 +5672,7 @@
               </a:bodyPr>
               <a:lstStyle/>
               <a:p>
+                <a:pPr/>
                 <a14:m>
                   <m:oMathPara xmlns:m="http://schemas.openxmlformats.org/officeDocument/2006/math">
                     <m:oMathParaPr>
@@ -5205,7 +5693,7 @@
             </p:txBody>
           </p:sp>
         </mc:Choice>
-        <mc:Fallback>
+        <mc:Fallback xmlns="">
           <p:sp>
             <p:nvSpPr>
               <p:cNvPr id="36" name="TextBox 35">
@@ -5250,8 +5738,8 @@
           </p:sp>
         </mc:Fallback>
       </mc:AlternateContent>
-      <mc:AlternateContent xmlns:mc="http://schemas.openxmlformats.org/markup-compatibility/2006">
-        <mc:Choice xmlns:a14="http://schemas.microsoft.com/office/drawing/2010/main" Requires="a14">
+      <mc:AlternateContent xmlns:mc="http://schemas.openxmlformats.org/markup-compatibility/2006" xmlns:a14="http://schemas.microsoft.com/office/drawing/2010/main">
+        <mc:Choice Requires="a14">
           <p:sp>
             <p:nvSpPr>
               <p:cNvPr id="39" name="TextBox 38">
@@ -5299,7 +5787,7 @@
             </p:txBody>
           </p:sp>
         </mc:Choice>
-        <mc:Fallback>
+        <mc:Fallback xmlns="">
           <p:sp>
             <p:nvSpPr>
               <p:cNvPr id="39" name="TextBox 38">
@@ -5344,8 +5832,8 @@
           </p:sp>
         </mc:Fallback>
       </mc:AlternateContent>
-      <mc:AlternateContent xmlns:mc="http://schemas.openxmlformats.org/markup-compatibility/2006">
-        <mc:Choice xmlns:a14="http://schemas.microsoft.com/office/drawing/2010/main" Requires="a14">
+      <mc:AlternateContent xmlns:mc="http://schemas.openxmlformats.org/markup-compatibility/2006" xmlns:a14="http://schemas.microsoft.com/office/drawing/2010/main">
+        <mc:Choice Requires="a14">
           <p:sp>
             <p:nvSpPr>
               <p:cNvPr id="40" name="TextBox 39">
@@ -5374,6 +5862,7 @@
               </a:bodyPr>
               <a:lstStyle/>
               <a:p>
+                <a:pPr/>
                 <a14:m>
                   <m:oMathPara xmlns:m="http://schemas.openxmlformats.org/officeDocument/2006/math">
                     <m:oMathParaPr>
@@ -5394,7 +5883,7 @@
             </p:txBody>
           </p:sp>
         </mc:Choice>
-        <mc:Fallback>
+        <mc:Fallback xmlns="">
           <p:sp>
             <p:nvSpPr>
               <p:cNvPr id="40" name="TextBox 39">
@@ -5439,8 +5928,8 @@
           </p:sp>
         </mc:Fallback>
       </mc:AlternateContent>
-      <mc:AlternateContent xmlns:mc="http://schemas.openxmlformats.org/markup-compatibility/2006">
-        <mc:Choice xmlns:a14="http://schemas.microsoft.com/office/drawing/2010/main" Requires="a14">
+      <mc:AlternateContent xmlns:mc="http://schemas.openxmlformats.org/markup-compatibility/2006" xmlns:a14="http://schemas.microsoft.com/office/drawing/2010/main">
+        <mc:Choice Requires="a14">
           <p:sp>
             <p:nvSpPr>
               <p:cNvPr id="41" name="TextBox 40">
@@ -5469,6 +5958,7 @@
               </a:bodyPr>
               <a:lstStyle/>
               <a:p>
+                <a:pPr/>
                 <a14:m>
                   <m:oMathPara xmlns:m="http://schemas.openxmlformats.org/officeDocument/2006/math">
                     <m:oMathParaPr>
@@ -5489,7 +5979,7 @@
             </p:txBody>
           </p:sp>
         </mc:Choice>
-        <mc:Fallback>
+        <mc:Fallback xmlns="">
           <p:sp>
             <p:nvSpPr>
               <p:cNvPr id="41" name="TextBox 40">
@@ -5554,8 +6044,8 @@
             <a:chExt cx="2866095" cy="459753"/>
           </a:xfrm>
         </p:grpSpPr>
-        <mc:AlternateContent xmlns:mc="http://schemas.openxmlformats.org/markup-compatibility/2006">
-          <mc:Choice xmlns:a14="http://schemas.microsoft.com/office/drawing/2010/main" Requires="a14">
+        <mc:AlternateContent xmlns:mc="http://schemas.openxmlformats.org/markup-compatibility/2006" xmlns:a14="http://schemas.microsoft.com/office/drawing/2010/main">
+          <mc:Choice Requires="a14">
             <p:sp>
               <p:nvSpPr>
                 <p:cNvPr id="18" name="TextBox 17">
@@ -5584,6 +6074,7 @@
                 </a:bodyPr>
                 <a:lstStyle/>
                 <a:p>
+                  <a:pPr/>
                   <a14:m>
                     <m:oMathPara xmlns:m="http://schemas.openxmlformats.org/officeDocument/2006/math">
                       <m:oMathParaPr>
@@ -5640,7 +6131,7 @@
               </p:txBody>
             </p:sp>
           </mc:Choice>
-          <mc:Fallback>
+          <mc:Fallback xmlns="">
             <p:sp>
               <p:nvSpPr>
                 <p:cNvPr id="18" name="TextBox 17">
@@ -5685,8 +6176,8 @@
             </p:sp>
           </mc:Fallback>
         </mc:AlternateContent>
-        <mc:AlternateContent xmlns:mc="http://schemas.openxmlformats.org/markup-compatibility/2006">
-          <mc:Choice xmlns:a14="http://schemas.microsoft.com/office/drawing/2010/main" Requires="a14">
+        <mc:AlternateContent xmlns:mc="http://schemas.openxmlformats.org/markup-compatibility/2006" xmlns:a14="http://schemas.microsoft.com/office/drawing/2010/main">
+          <mc:Choice Requires="a14">
             <p:sp>
               <p:nvSpPr>
                 <p:cNvPr id="19" name="TextBox 18">
@@ -5715,6 +6206,7 @@
                 </a:bodyPr>
                 <a:lstStyle/>
                 <a:p>
+                  <a:pPr/>
                   <a14:m>
                     <m:oMathPara xmlns:m="http://schemas.openxmlformats.org/officeDocument/2006/math">
                       <m:oMathParaPr>
@@ -5788,7 +6280,7 @@
               </p:txBody>
             </p:sp>
           </mc:Choice>
-          <mc:Fallback>
+          <mc:Fallback xmlns="">
             <p:sp>
               <p:nvSpPr>
                 <p:cNvPr id="19" name="TextBox 18">
